--- a/PC/Computer Vision.pptx
+++ b/PC/Computer Vision.pptx
@@ -4331,51 +4331,115 @@
             <p:ph idx="1"/>
           </p:nvPr>
         </p:nvSpPr>
-        <p:spPr/>
+        <p:spPr>
+          <a:xfrm>
+            <a:off x="1097280" y="1845734"/>
+            <a:ext cx="6208088" cy="2500124"/>
+          </a:xfrm>
+        </p:spPr>
         <p:txBody>
           <a:bodyPr/>
           <a:lstStyle/>
           <a:p>
+            <a:pPr marL="457200" indent="-457200">
+              <a:buFont typeface="+mj-lt"/>
+              <a:buAutoNum type="arabicPeriod"/>
+            </a:pPr>
             <a:r>
               <a:rPr lang="en-US" dirty="0"/>
-              <a:t>1. Input Image/Video</a:t>
-            </a:r>
-          </a:p>
-          <a:p>
+              <a:t>Input Video/Image → Give video/Image to the system.</a:t>
+            </a:r>
+          </a:p>
+          <a:p>
+            <a:pPr marL="457200" indent="-457200">
+              <a:buFont typeface="+mj-lt"/>
+              <a:buAutoNum type="arabicPeriod"/>
+            </a:pPr>
             <a:r>
               <a:rPr lang="en-US" dirty="0"/>
-              <a:t>2. Preprocessing (resizing, normalization)</a:t>
-            </a:r>
-          </a:p>
-          <a:p>
+              <a:t>Detect Objects → Find where objects are.</a:t>
+            </a:r>
+          </a:p>
+          <a:p>
+            <a:pPr marL="457200" indent="-457200">
+              <a:buFont typeface="+mj-lt"/>
+              <a:buAutoNum type="arabicPeriod"/>
+            </a:pPr>
             <a:r>
               <a:rPr lang="en-US" dirty="0"/>
-              <a:t>3. Feature Extraction</a:t>
-            </a:r>
-          </a:p>
-          <a:p>
+              <a:t>Recognize Objects → Identify what they are.</a:t>
+            </a:r>
+          </a:p>
+          <a:p>
+            <a:pPr marL="457200" indent="-457200">
+              <a:buFont typeface="+mj-lt"/>
+              <a:buAutoNum type="arabicPeriod"/>
+            </a:pPr>
             <a:r>
               <a:rPr lang="en-US" dirty="0"/>
-              <a:t>4. Object Detection (bounding boxes)</a:t>
-            </a:r>
-          </a:p>
-          <a:p>
+              <a:t>Use Knowledge → Get help from stored info.</a:t>
+            </a:r>
+          </a:p>
+          <a:p>
+            <a:pPr marL="457200" indent="-457200">
+              <a:buFont typeface="+mj-lt"/>
+              <a:buAutoNum type="arabicPeriod"/>
+            </a:pPr>
             <a:r>
               <a:rPr lang="en-US" dirty="0"/>
-              <a:t>5. Object Recognition (classification)</a:t>
-            </a:r>
-          </a:p>
-          <a:p>
-            <a:r>
-              <a:rPr lang="en-US" dirty="0"/>
-              <a:t>6. Output Results</a:t>
-            </a:r>
-          </a:p>
-          <a:p>
+              <a:t>Output → Show labeled objects.</a:t>
+            </a:r>
             <a:endParaRPr lang="en-IN" dirty="0"/>
           </a:p>
         </p:txBody>
       </p:sp>
+      <p:pic>
+        <p:nvPicPr>
+          <p:cNvPr id="1028" name="Picture 4" descr="Workflow of proposed object identification system | Download Scientific  Diagram">
+            <a:extLst>
+              <a:ext uri="{FF2B5EF4-FFF2-40B4-BE49-F238E27FC236}">
+                <a16:creationId xmlns:a16="http://schemas.microsoft.com/office/drawing/2014/main" id="{0085E17C-5874-216E-682F-2D74D3ABA315}"/>
+              </a:ext>
+            </a:extLst>
+          </p:cNvPr>
+          <p:cNvPicPr>
+            <a:picLocks noChangeAspect="1" noChangeArrowheads="1"/>
+          </p:cNvPicPr>
+          <p:nvPr/>
+        </p:nvPicPr>
+        <p:blipFill>
+          <a:blip r:embed="rId2">
+            <a:extLst>
+              <a:ext uri="{28A0092B-C50C-407E-A947-70E740481C1C}">
+                <a14:useLocalDpi xmlns:a14="http://schemas.microsoft.com/office/drawing/2010/main" val="0"/>
+              </a:ext>
+            </a:extLst>
+          </a:blip>
+          <a:srcRect/>
+          <a:stretch>
+            <a:fillRect/>
+          </a:stretch>
+        </p:blipFill>
+        <p:spPr bwMode="auto">
+          <a:xfrm>
+            <a:off x="4959452" y="3590463"/>
+            <a:ext cx="6917915" cy="2682518"/>
+          </a:xfrm>
+          <a:prstGeom prst="rect">
+            <a:avLst/>
+          </a:prstGeom>
+          <a:noFill/>
+          <a:extLst>
+            <a:ext uri="{909E8E84-426E-40DD-AFC4-6F175D3DCCD1}">
+              <a14:hiddenFill xmlns:a14="http://schemas.microsoft.com/office/drawing/2010/main">
+                <a:solidFill>
+                  <a:srgbClr val="FFFFFF"/>
+                </a:solidFill>
+              </a14:hiddenFill>
+            </a:ext>
+          </a:extLst>
+        </p:spPr>
+      </p:pic>
     </p:spTree>
     <p:extLst>
       <p:ext uri="{BB962C8B-B14F-4D97-AF65-F5344CB8AC3E}">
@@ -4734,7 +4798,12 @@
             <p:ph idx="1"/>
           </p:nvPr>
         </p:nvSpPr>
-        <p:spPr/>
+        <p:spPr>
+          <a:xfrm>
+            <a:off x="1097280" y="1845734"/>
+            <a:ext cx="5067546" cy="2559118"/>
+          </a:xfrm>
+        </p:spPr>
         <p:txBody>
           <a:bodyPr/>
           <a:lstStyle/>
@@ -4781,6 +4850,42 @@
           </a:p>
         </p:txBody>
       </p:sp>
+      <p:pic>
+        <p:nvPicPr>
+          <p:cNvPr id="8" name="Picture 7">
+            <a:extLst>
+              <a:ext uri="{FF2B5EF4-FFF2-40B4-BE49-F238E27FC236}">
+                <a16:creationId xmlns:a16="http://schemas.microsoft.com/office/drawing/2014/main" id="{7D6772F9-DDE3-E6C0-ED89-D55F1447DF3A}"/>
+              </a:ext>
+            </a:extLst>
+          </p:cNvPr>
+          <p:cNvPicPr>
+            <a:picLocks noChangeAspect="1"/>
+          </p:cNvPicPr>
+          <p:nvPr/>
+        </p:nvPicPr>
+        <p:blipFill>
+          <a:blip r:embed="rId2">
+            <a:extLst>
+              <a:ext uri="{28A0092B-C50C-407E-A947-70E740481C1C}">
+                <a14:useLocalDpi xmlns:a14="http://schemas.microsoft.com/office/drawing/2010/main" val="0"/>
+              </a:ext>
+            </a:extLst>
+          </a:blip>
+          <a:stretch>
+            <a:fillRect/>
+          </a:stretch>
+        </p:blipFill>
+        <p:spPr>
+          <a:xfrm>
+            <a:off x="7022761" y="2377046"/>
+            <a:ext cx="4132919" cy="2893044"/>
+          </a:xfrm>
+          <a:prstGeom prst="rect">
+            <a:avLst/>
+          </a:prstGeom>
+        </p:spPr>
+      </p:pic>
     </p:spTree>
     <p:extLst>
       <p:ext uri="{BB962C8B-B14F-4D97-AF65-F5344CB8AC3E}">
